--- a/Review1.pptx
+++ b/Review1.pptx
@@ -289,7 +289,7 @@
               <a:pPr>
                 <a:defRPr/>
               </a:pPr>
-              <a:t>2022/9/16</a:t>
+              <a:t>2022/9/17</a:t>
             </a:fld>
             <a:endParaRPr lang="zh-CN" altLang="en-US" sz="1200"/>
           </a:p>
@@ -1014,7 +1014,7 @@
               <a:pPr>
                 <a:defRPr/>
               </a:pPr>
-              <a:t>9/16/2022</a:t>
+              <a:t>9/17/2022</a:t>
             </a:fld>
             <a:endParaRPr lang="en-US" altLang="en-US" sz="1800" dirty="0"/>
           </a:p>
@@ -1147,7 +1147,7 @@
               <a:pPr>
                 <a:defRPr/>
               </a:pPr>
-              <a:t>9/16/2022</a:t>
+              <a:t>9/17/2022</a:t>
             </a:fld>
             <a:endParaRPr lang="en-US" altLang="en-US" sz="1800" dirty="0"/>
           </a:p>
@@ -1302,7 +1302,7 @@
               <a:pPr>
                 <a:defRPr/>
               </a:pPr>
-              <a:t>9/16/2022</a:t>
+              <a:t>9/17/2022</a:t>
             </a:fld>
             <a:endParaRPr lang="en-US" altLang="en-US" sz="1800" dirty="0"/>
           </a:p>
@@ -1435,7 +1435,7 @@
               <a:pPr>
                 <a:defRPr/>
               </a:pPr>
-              <a:t>9/16/2022</a:t>
+              <a:t>9/17/2022</a:t>
             </a:fld>
             <a:endParaRPr lang="en-US" altLang="en-US" sz="1800" dirty="0"/>
           </a:p>
@@ -1590,7 +1590,7 @@
               <a:pPr>
                 <a:defRPr/>
               </a:pPr>
-              <a:t>9/16/2022</a:t>
+              <a:t>9/17/2022</a:t>
             </a:fld>
             <a:endParaRPr lang="en-US" altLang="en-US" sz="1800" dirty="0"/>
           </a:p>
@@ -1785,7 +1785,7 @@
               <a:pPr>
                 <a:defRPr/>
               </a:pPr>
-              <a:t>9/16/2022</a:t>
+              <a:t>9/17/2022</a:t>
             </a:fld>
             <a:endParaRPr lang="en-US" altLang="en-US" sz="1800" dirty="0"/>
           </a:p>
@@ -2115,7 +2115,7 @@
               <a:pPr>
                 <a:defRPr/>
               </a:pPr>
-              <a:t>9/16/2022</a:t>
+              <a:t>9/17/2022</a:t>
             </a:fld>
             <a:endParaRPr lang="en-US" altLang="en-US" sz="1800" dirty="0"/>
           </a:p>
@@ -2196,7 +2196,7 @@
               <a:pPr>
                 <a:defRPr/>
               </a:pPr>
-              <a:t>9/16/2022</a:t>
+              <a:t>9/17/2022</a:t>
             </a:fld>
             <a:endParaRPr lang="en-US" altLang="en-US" sz="1800" dirty="0"/>
           </a:p>
@@ -2254,7 +2254,7 @@
               <a:pPr>
                 <a:defRPr/>
               </a:pPr>
-              <a:t>9/16/2022</a:t>
+              <a:t>9/17/2022</a:t>
             </a:fld>
             <a:endParaRPr lang="en-US" altLang="en-US" sz="1800" dirty="0"/>
           </a:p>
@@ -2494,7 +2494,7 @@
               <a:pPr>
                 <a:defRPr/>
               </a:pPr>
-              <a:t>9/16/2022</a:t>
+              <a:t>9/17/2022</a:t>
             </a:fld>
             <a:endParaRPr lang="en-US" altLang="en-US" sz="1800" dirty="0"/>
           </a:p>
@@ -2713,7 +2713,7 @@
               <a:pPr>
                 <a:defRPr/>
               </a:pPr>
-              <a:t>9/16/2022</a:t>
+              <a:t>9/17/2022</a:t>
             </a:fld>
             <a:endParaRPr lang="en-US" altLang="en-US" sz="1800" dirty="0"/>
           </a:p>
@@ -2846,7 +2846,7 @@
               <a:pPr>
                 <a:defRPr/>
               </a:pPr>
-              <a:t>9/16/2022</a:t>
+              <a:t>9/17/2022</a:t>
             </a:fld>
             <a:endParaRPr lang="en-US" altLang="en-US" sz="1800" dirty="0"/>
           </a:p>
@@ -2989,7 +2989,7 @@
               <a:pPr>
                 <a:defRPr/>
               </a:pPr>
-              <a:t>9/16/2022</a:t>
+              <a:t>9/17/2022</a:t>
             </a:fld>
             <a:endParaRPr lang="en-US" altLang="en-US" sz="1800" dirty="0"/>
           </a:p>
@@ -3132,7 +3132,7 @@
               <a:pPr>
                 <a:defRPr/>
               </a:pPr>
-              <a:t>9/16/2022</a:t>
+              <a:t>9/17/2022</a:t>
             </a:fld>
             <a:endParaRPr lang="en-US" altLang="en-US" sz="1800" dirty="0"/>
           </a:p>
@@ -3218,7 +3218,7 @@
               <a:pPr>
                 <a:defRPr/>
               </a:pPr>
-              <a:t>9/16/2022</a:t>
+              <a:t>9/17/2022</a:t>
             </a:fld>
             <a:endParaRPr lang="en-US" altLang="en-US" sz="1800" dirty="0"/>
           </a:p>
@@ -3373,7 +3373,7 @@
               <a:pPr>
                 <a:defRPr/>
               </a:pPr>
-              <a:t>9/16/2022</a:t>
+              <a:t>9/17/2022</a:t>
             </a:fld>
             <a:endParaRPr lang="en-US" altLang="en-US" sz="1800" dirty="0">
               <a:solidFill>
@@ -3510,7 +3510,7 @@
               <a:pPr>
                 <a:defRPr/>
               </a:pPr>
-              <a:t>9/16/2022</a:t>
+              <a:t>9/17/2022</a:t>
             </a:fld>
             <a:endParaRPr lang="en-US" altLang="en-US" sz="1800" dirty="0">
               <a:solidFill>
@@ -3669,7 +3669,7 @@
               <a:pPr>
                 <a:defRPr/>
               </a:pPr>
-              <a:t>9/16/2022</a:t>
+              <a:t>9/17/2022</a:t>
             </a:fld>
             <a:endParaRPr lang="en-US" altLang="en-US" sz="1800" dirty="0">
               <a:solidFill>
@@ -3868,7 +3868,7 @@
               <a:pPr>
                 <a:defRPr/>
               </a:pPr>
-              <a:t>9/16/2022</a:t>
+              <a:t>9/17/2022</a:t>
             </a:fld>
             <a:endParaRPr lang="en-US" altLang="en-US" sz="1800" dirty="0">
               <a:solidFill>
@@ -4202,7 +4202,7 @@
               <a:pPr>
                 <a:defRPr/>
               </a:pPr>
-              <a:t>9/16/2022</a:t>
+              <a:t>9/17/2022</a:t>
             </a:fld>
             <a:endParaRPr lang="en-US" altLang="en-US" sz="1800" dirty="0">
               <a:solidFill>
@@ -4287,7 +4287,7 @@
               <a:pPr>
                 <a:defRPr/>
               </a:pPr>
-              <a:t>9/16/2022</a:t>
+              <a:t>9/17/2022</a:t>
             </a:fld>
             <a:endParaRPr lang="en-US" altLang="en-US" sz="1800" dirty="0">
               <a:solidFill>
@@ -4349,7 +4349,7 @@
               <a:pPr>
                 <a:defRPr/>
               </a:pPr>
-              <a:t>9/16/2022</a:t>
+              <a:t>9/17/2022</a:t>
             </a:fld>
             <a:endParaRPr lang="en-US" altLang="en-US" sz="1800" dirty="0">
               <a:solidFill>
@@ -4593,7 +4593,7 @@
               <a:pPr>
                 <a:defRPr/>
               </a:pPr>
-              <a:t>9/16/2022</a:t>
+              <a:t>9/17/2022</a:t>
             </a:fld>
             <a:endParaRPr lang="en-US" altLang="en-US" sz="1800" dirty="0">
               <a:solidFill>
@@ -4752,7 +4752,7 @@
               <a:pPr>
                 <a:defRPr/>
               </a:pPr>
-              <a:t>9/16/2022</a:t>
+              <a:t>9/17/2022</a:t>
             </a:fld>
             <a:endParaRPr lang="en-US" altLang="en-US" sz="1800" dirty="0">
               <a:solidFill>
@@ -4975,7 +4975,7 @@
               <a:pPr>
                 <a:defRPr/>
               </a:pPr>
-              <a:t>9/16/2022</a:t>
+              <a:t>9/17/2022</a:t>
             </a:fld>
             <a:endParaRPr lang="en-US" altLang="en-US" sz="1800" dirty="0">
               <a:solidFill>
@@ -5112,7 +5112,7 @@
               <a:pPr>
                 <a:defRPr/>
               </a:pPr>
-              <a:t>9/16/2022</a:t>
+              <a:t>9/17/2022</a:t>
             </a:fld>
             <a:endParaRPr lang="en-US" altLang="en-US" sz="1800" dirty="0">
               <a:solidFill>
@@ -5259,7 +5259,7 @@
               <a:pPr>
                 <a:defRPr/>
               </a:pPr>
-              <a:t>9/16/2022</a:t>
+              <a:t>9/17/2022</a:t>
             </a:fld>
             <a:endParaRPr lang="en-US" altLang="en-US" sz="1800" dirty="0">
               <a:solidFill>
@@ -5418,7 +5418,7 @@
               <a:pPr>
                 <a:defRPr/>
               </a:pPr>
-              <a:t>9/16/2022</a:t>
+              <a:t>9/17/2022</a:t>
             </a:fld>
             <a:endParaRPr lang="en-US" altLang="en-US" sz="1800" dirty="0">
               <a:solidFill>
@@ -5555,7 +5555,7 @@
               <a:pPr>
                 <a:defRPr/>
               </a:pPr>
-              <a:t>9/16/2022</a:t>
+              <a:t>9/17/2022</a:t>
             </a:fld>
             <a:endParaRPr lang="en-US" altLang="en-US" sz="1800" dirty="0">
               <a:solidFill>
@@ -5714,7 +5714,7 @@
               <a:pPr>
                 <a:defRPr/>
               </a:pPr>
-              <a:t>9/16/2022</a:t>
+              <a:t>9/17/2022</a:t>
             </a:fld>
             <a:endParaRPr lang="en-US" altLang="en-US" sz="1800" dirty="0">
               <a:solidFill>
@@ -5913,7 +5913,7 @@
               <a:pPr>
                 <a:defRPr/>
               </a:pPr>
-              <a:t>9/16/2022</a:t>
+              <a:t>9/17/2022</a:t>
             </a:fld>
             <a:endParaRPr lang="en-US" altLang="en-US" sz="1800" dirty="0">
               <a:solidFill>
@@ -6247,7 +6247,7 @@
               <a:pPr>
                 <a:defRPr/>
               </a:pPr>
-              <a:t>9/16/2022</a:t>
+              <a:t>9/17/2022</a:t>
             </a:fld>
             <a:endParaRPr lang="en-US" altLang="en-US" sz="1800" dirty="0">
               <a:solidFill>
@@ -6332,7 +6332,7 @@
               <a:pPr>
                 <a:defRPr/>
               </a:pPr>
-              <a:t>9/16/2022</a:t>
+              <a:t>9/17/2022</a:t>
             </a:fld>
             <a:endParaRPr lang="en-US" altLang="en-US" sz="1800" dirty="0">
               <a:solidFill>
@@ -6394,7 +6394,7 @@
               <a:pPr>
                 <a:defRPr/>
               </a:pPr>
-              <a:t>9/16/2022</a:t>
+              <a:t>9/17/2022</a:t>
             </a:fld>
             <a:endParaRPr lang="en-US" altLang="en-US" sz="1800" dirty="0">
               <a:solidFill>
@@ -6531,7 +6531,7 @@
               <a:pPr>
                 <a:defRPr/>
               </a:pPr>
-              <a:t>9/16/2022</a:t>
+              <a:t>9/17/2022</a:t>
             </a:fld>
             <a:endParaRPr lang="en-US" altLang="en-US" sz="1800" dirty="0">
               <a:solidFill>
@@ -6775,7 +6775,7 @@
               <a:pPr>
                 <a:defRPr/>
               </a:pPr>
-              <a:t>9/16/2022</a:t>
+              <a:t>9/17/2022</a:t>
             </a:fld>
             <a:endParaRPr lang="en-US" altLang="en-US" sz="1800" dirty="0">
               <a:solidFill>
@@ -6998,7 +6998,7 @@
               <a:pPr>
                 <a:defRPr/>
               </a:pPr>
-              <a:t>9/16/2022</a:t>
+              <a:t>9/17/2022</a:t>
             </a:fld>
             <a:endParaRPr lang="en-US" altLang="en-US" sz="1800" dirty="0">
               <a:solidFill>
@@ -7135,7 +7135,7 @@
               <a:pPr>
                 <a:defRPr/>
               </a:pPr>
-              <a:t>9/16/2022</a:t>
+              <a:t>9/17/2022</a:t>
             </a:fld>
             <a:endParaRPr lang="en-US" altLang="en-US" sz="1800" dirty="0">
               <a:solidFill>
@@ -7282,7 +7282,7 @@
               <a:pPr>
                 <a:defRPr/>
               </a:pPr>
-              <a:t>9/16/2022</a:t>
+              <a:t>9/17/2022</a:t>
             </a:fld>
             <a:endParaRPr lang="en-US" altLang="en-US" sz="1800" dirty="0">
               <a:solidFill>
@@ -7441,7 +7441,7 @@
               <a:pPr>
                 <a:defRPr/>
               </a:pPr>
-              <a:t>9/16/2022</a:t>
+              <a:t>9/17/2022</a:t>
             </a:fld>
             <a:endParaRPr lang="en-US" altLang="en-US" sz="1800" dirty="0">
               <a:solidFill>
@@ -7640,7 +7640,7 @@
               <a:pPr>
                 <a:defRPr/>
               </a:pPr>
-              <a:t>9/16/2022</a:t>
+              <a:t>9/17/2022</a:t>
             </a:fld>
             <a:endParaRPr lang="en-US" altLang="en-US" sz="1800" dirty="0">
               <a:solidFill>
@@ -7974,7 +7974,7 @@
               <a:pPr>
                 <a:defRPr/>
               </a:pPr>
-              <a:t>9/16/2022</a:t>
+              <a:t>9/17/2022</a:t>
             </a:fld>
             <a:endParaRPr lang="en-US" altLang="en-US" sz="1800" dirty="0">
               <a:solidFill>
@@ -8059,7 +8059,7 @@
               <a:pPr>
                 <a:defRPr/>
               </a:pPr>
-              <a:t>9/16/2022</a:t>
+              <a:t>9/17/2022</a:t>
             </a:fld>
             <a:endParaRPr lang="en-US" altLang="en-US" sz="1800" dirty="0">
               <a:solidFill>
@@ -8121,7 +8121,7 @@
               <a:pPr>
                 <a:defRPr/>
               </a:pPr>
-              <a:t>9/16/2022</a:t>
+              <a:t>9/17/2022</a:t>
             </a:fld>
             <a:endParaRPr lang="en-US" altLang="en-US" sz="1800" dirty="0">
               <a:solidFill>
@@ -8365,7 +8365,7 @@
               <a:pPr>
                 <a:defRPr/>
               </a:pPr>
-              <a:t>9/16/2022</a:t>
+              <a:t>9/17/2022</a:t>
             </a:fld>
             <a:endParaRPr lang="en-US" altLang="en-US" sz="1800" dirty="0">
               <a:solidFill>
@@ -8502,7 +8502,7 @@
               <a:pPr>
                 <a:defRPr/>
               </a:pPr>
-              <a:t>9/16/2022</a:t>
+              <a:t>9/17/2022</a:t>
             </a:fld>
             <a:endParaRPr lang="en-US" altLang="en-US" sz="1800" dirty="0"/>
           </a:p>
@@ -8721,7 +8721,7 @@
               <a:pPr>
                 <a:defRPr/>
               </a:pPr>
-              <a:t>9/16/2022</a:t>
+              <a:t>9/17/2022</a:t>
             </a:fld>
             <a:endParaRPr lang="en-US" altLang="en-US" sz="1800" dirty="0">
               <a:solidFill>
@@ -8858,7 +8858,7 @@
               <a:pPr>
                 <a:defRPr/>
               </a:pPr>
-              <a:t>9/16/2022</a:t>
+              <a:t>9/17/2022</a:t>
             </a:fld>
             <a:endParaRPr lang="en-US" altLang="en-US" sz="1800" dirty="0">
               <a:solidFill>
@@ -9005,7 +9005,7 @@
               <a:pPr>
                 <a:defRPr/>
               </a:pPr>
-              <a:t>9/16/2022</a:t>
+              <a:t>9/17/2022</a:t>
             </a:fld>
             <a:endParaRPr lang="en-US" altLang="en-US" sz="1800" dirty="0">
               <a:solidFill>
@@ -9164,7 +9164,7 @@
               <a:pPr>
                 <a:defRPr/>
               </a:pPr>
-              <a:t>9/16/2022</a:t>
+              <a:t>9/17/2022</a:t>
             </a:fld>
             <a:endParaRPr lang="en-US" altLang="en-US" sz="1800" dirty="0">
               <a:solidFill>
@@ -9301,7 +9301,7 @@
               <a:pPr>
                 <a:defRPr/>
               </a:pPr>
-              <a:t>9/16/2022</a:t>
+              <a:t>9/17/2022</a:t>
             </a:fld>
             <a:endParaRPr lang="en-US" altLang="en-US" sz="1800" dirty="0">
               <a:solidFill>
@@ -9460,7 +9460,7 @@
               <a:pPr>
                 <a:defRPr/>
               </a:pPr>
-              <a:t>9/16/2022</a:t>
+              <a:t>9/17/2022</a:t>
             </a:fld>
             <a:endParaRPr lang="en-US" altLang="en-US" sz="1800" dirty="0">
               <a:solidFill>
@@ -9659,7 +9659,7 @@
               <a:pPr>
                 <a:defRPr/>
               </a:pPr>
-              <a:t>9/16/2022</a:t>
+              <a:t>9/17/2022</a:t>
             </a:fld>
             <a:endParaRPr lang="en-US" altLang="en-US" sz="1800" dirty="0">
               <a:solidFill>
@@ -9993,7 +9993,7 @@
               <a:pPr>
                 <a:defRPr/>
               </a:pPr>
-              <a:t>9/16/2022</a:t>
+              <a:t>9/17/2022</a:t>
             </a:fld>
             <a:endParaRPr lang="en-US" altLang="en-US" sz="1800" dirty="0">
               <a:solidFill>
@@ -10078,7 +10078,7 @@
               <a:pPr>
                 <a:defRPr/>
               </a:pPr>
-              <a:t>9/16/2022</a:t>
+              <a:t>9/17/2022</a:t>
             </a:fld>
             <a:endParaRPr lang="en-US" altLang="en-US" sz="1800" dirty="0">
               <a:solidFill>
@@ -10140,7 +10140,7 @@
               <a:pPr>
                 <a:defRPr/>
               </a:pPr>
-              <a:t>9/16/2022</a:t>
+              <a:t>9/17/2022</a:t>
             </a:fld>
             <a:endParaRPr lang="en-US" altLang="en-US" sz="1800" dirty="0">
               <a:solidFill>
@@ -10299,7 +10299,7 @@
               <a:pPr>
                 <a:defRPr/>
               </a:pPr>
-              <a:t>9/16/2022</a:t>
+              <a:t>9/17/2022</a:t>
             </a:fld>
             <a:endParaRPr lang="en-US" altLang="en-US" sz="1800" dirty="0"/>
           </a:p>
@@ -10539,7 +10539,7 @@
               <a:pPr>
                 <a:defRPr/>
               </a:pPr>
-              <a:t>9/16/2022</a:t>
+              <a:t>9/17/2022</a:t>
             </a:fld>
             <a:endParaRPr lang="en-US" altLang="en-US" sz="1800" dirty="0">
               <a:solidFill>
@@ -10762,7 +10762,7 @@
               <a:pPr>
                 <a:defRPr/>
               </a:pPr>
-              <a:t>9/16/2022</a:t>
+              <a:t>9/17/2022</a:t>
             </a:fld>
             <a:endParaRPr lang="en-US" altLang="en-US" sz="1800" dirty="0">
               <a:solidFill>
@@ -10899,7 +10899,7 @@
               <a:pPr>
                 <a:defRPr/>
               </a:pPr>
-              <a:t>9/16/2022</a:t>
+              <a:t>9/17/2022</a:t>
             </a:fld>
             <a:endParaRPr lang="en-US" altLang="en-US" sz="1800" dirty="0">
               <a:solidFill>
@@ -11046,7 +11046,7 @@
               <a:pPr>
                 <a:defRPr/>
               </a:pPr>
-              <a:t>9/16/2022</a:t>
+              <a:t>9/17/2022</a:t>
             </a:fld>
             <a:endParaRPr lang="en-US" altLang="en-US" sz="1800" dirty="0">
               <a:solidFill>
@@ -11205,7 +11205,7 @@
               <a:pPr>
                 <a:defRPr/>
               </a:pPr>
-              <a:t>9/16/2022</a:t>
+              <a:t>9/17/2022</a:t>
             </a:fld>
             <a:endParaRPr lang="en-US" altLang="en-US" sz="1800" dirty="0"/>
           </a:p>
@@ -11338,7 +11338,7 @@
               <a:pPr>
                 <a:defRPr/>
               </a:pPr>
-              <a:t>9/16/2022</a:t>
+              <a:t>9/17/2022</a:t>
             </a:fld>
             <a:endParaRPr lang="en-US" altLang="en-US" sz="1800" dirty="0"/>
           </a:p>
@@ -11493,7 +11493,7 @@
               <a:pPr>
                 <a:defRPr/>
               </a:pPr>
-              <a:t>9/16/2022</a:t>
+              <a:t>9/17/2022</a:t>
             </a:fld>
             <a:endParaRPr lang="en-US" altLang="en-US" sz="1800" dirty="0"/>
           </a:p>
@@ -11688,7 +11688,7 @@
               <a:pPr>
                 <a:defRPr/>
               </a:pPr>
-              <a:t>9/16/2022</a:t>
+              <a:t>9/17/2022</a:t>
             </a:fld>
             <a:endParaRPr lang="en-US" altLang="en-US" sz="1800" dirty="0"/>
           </a:p>
@@ -12018,7 +12018,7 @@
               <a:pPr>
                 <a:defRPr/>
               </a:pPr>
-              <a:t>9/16/2022</a:t>
+              <a:t>9/17/2022</a:t>
             </a:fld>
             <a:endParaRPr lang="en-US" altLang="en-US" sz="1800" dirty="0"/>
           </a:p>
@@ -12099,7 +12099,7 @@
               <a:pPr>
                 <a:defRPr/>
               </a:pPr>
-              <a:t>9/16/2022</a:t>
+              <a:t>9/17/2022</a:t>
             </a:fld>
             <a:endParaRPr lang="en-US" altLang="en-US" sz="1800" dirty="0"/>
           </a:p>
@@ -12294,7 +12294,7 @@
               <a:pPr>
                 <a:defRPr/>
               </a:pPr>
-              <a:t>9/16/2022</a:t>
+              <a:t>9/17/2022</a:t>
             </a:fld>
             <a:endParaRPr lang="en-US" altLang="en-US" sz="1800" dirty="0"/>
           </a:p>
@@ -12352,7 +12352,7 @@
               <a:pPr>
                 <a:defRPr/>
               </a:pPr>
-              <a:t>9/16/2022</a:t>
+              <a:t>9/17/2022</a:t>
             </a:fld>
             <a:endParaRPr lang="en-US" altLang="en-US" sz="1800" dirty="0"/>
           </a:p>
@@ -12592,7 +12592,7 @@
               <a:pPr>
                 <a:defRPr/>
               </a:pPr>
-              <a:t>9/16/2022</a:t>
+              <a:t>9/17/2022</a:t>
             </a:fld>
             <a:endParaRPr lang="en-US" altLang="en-US" sz="1800" dirty="0"/>
           </a:p>
@@ -12811,7 +12811,7 @@
               <a:pPr>
                 <a:defRPr/>
               </a:pPr>
-              <a:t>9/16/2022</a:t>
+              <a:t>9/17/2022</a:t>
             </a:fld>
             <a:endParaRPr lang="en-US" altLang="en-US" sz="1800" dirty="0"/>
           </a:p>
@@ -12944,7 +12944,7 @@
               <a:pPr>
                 <a:defRPr/>
               </a:pPr>
-              <a:t>9/16/2022</a:t>
+              <a:t>9/17/2022</a:t>
             </a:fld>
             <a:endParaRPr lang="en-US" altLang="en-US" sz="1800" dirty="0"/>
           </a:p>
@@ -13087,7 +13087,7 @@
               <a:pPr>
                 <a:defRPr/>
               </a:pPr>
-              <a:t>9/16/2022</a:t>
+              <a:t>9/17/2022</a:t>
             </a:fld>
             <a:endParaRPr lang="en-US" altLang="en-US" sz="1800" dirty="0"/>
           </a:p>
@@ -13242,7 +13242,7 @@
               <a:pPr>
                 <a:defRPr/>
               </a:pPr>
-              <a:t>9/16/2022</a:t>
+              <a:t>9/17/2022</a:t>
             </a:fld>
             <a:endParaRPr lang="en-US" altLang="en-US" sz="1800" dirty="0">
               <a:solidFill>
@@ -13379,7 +13379,7 @@
               <a:pPr>
                 <a:defRPr/>
               </a:pPr>
-              <a:t>9/16/2022</a:t>
+              <a:t>9/17/2022</a:t>
             </a:fld>
             <a:endParaRPr lang="en-US" altLang="en-US" sz="1800" dirty="0">
               <a:solidFill>
@@ -13538,7 +13538,7 @@
               <a:pPr>
                 <a:defRPr/>
               </a:pPr>
-              <a:t>9/16/2022</a:t>
+              <a:t>9/17/2022</a:t>
             </a:fld>
             <a:endParaRPr lang="en-US" altLang="en-US" sz="1800" dirty="0">
               <a:solidFill>
@@ -13737,7 +13737,7 @@
               <a:pPr>
                 <a:defRPr/>
               </a:pPr>
-              <a:t>9/16/2022</a:t>
+              <a:t>9/17/2022</a:t>
             </a:fld>
             <a:endParaRPr lang="en-US" altLang="en-US" sz="1800" dirty="0">
               <a:solidFill>
@@ -14071,7 +14071,7 @@
               <a:pPr>
                 <a:defRPr/>
               </a:pPr>
-              <a:t>9/16/2022</a:t>
+              <a:t>9/17/2022</a:t>
             </a:fld>
             <a:endParaRPr lang="en-US" altLang="en-US" sz="1800" dirty="0">
               <a:solidFill>
@@ -14405,7 +14405,7 @@
               <a:pPr>
                 <a:defRPr/>
               </a:pPr>
-              <a:t>9/16/2022</a:t>
+              <a:t>9/17/2022</a:t>
             </a:fld>
             <a:endParaRPr lang="en-US" altLang="en-US" sz="1800" dirty="0"/>
           </a:p>
@@ -14486,7 +14486,7 @@
               <a:pPr>
                 <a:defRPr/>
               </a:pPr>
-              <a:t>9/16/2022</a:t>
+              <a:t>9/17/2022</a:t>
             </a:fld>
             <a:endParaRPr lang="en-US" altLang="en-US" sz="1800" dirty="0">
               <a:solidFill>
@@ -14548,7 +14548,7 @@
               <a:pPr>
                 <a:defRPr/>
               </a:pPr>
-              <a:t>9/16/2022</a:t>
+              <a:t>9/17/2022</a:t>
             </a:fld>
             <a:endParaRPr lang="en-US" altLang="en-US" sz="1800" dirty="0">
               <a:solidFill>
@@ -14792,7 +14792,7 @@
               <a:pPr>
                 <a:defRPr/>
               </a:pPr>
-              <a:t>9/16/2022</a:t>
+              <a:t>9/17/2022</a:t>
             </a:fld>
             <a:endParaRPr lang="en-US" altLang="en-US" sz="1800" dirty="0">
               <a:solidFill>
@@ -15015,7 +15015,7 @@
               <a:pPr>
                 <a:defRPr/>
               </a:pPr>
-              <a:t>9/16/2022</a:t>
+              <a:t>9/17/2022</a:t>
             </a:fld>
             <a:endParaRPr lang="en-US" altLang="en-US" sz="1800" dirty="0">
               <a:solidFill>
@@ -15152,7 +15152,7 @@
               <a:pPr>
                 <a:defRPr/>
               </a:pPr>
-              <a:t>9/16/2022</a:t>
+              <a:t>9/17/2022</a:t>
             </a:fld>
             <a:endParaRPr lang="en-US" altLang="en-US" sz="1800" dirty="0">
               <a:solidFill>
@@ -15299,7 +15299,7 @@
               <a:pPr>
                 <a:defRPr/>
               </a:pPr>
-              <a:t>9/16/2022</a:t>
+              <a:t>9/17/2022</a:t>
             </a:fld>
             <a:endParaRPr lang="en-US" altLang="en-US" sz="1800" dirty="0">
               <a:solidFill>
@@ -15458,7 +15458,7 @@
               <a:pPr>
                 <a:defRPr/>
               </a:pPr>
-              <a:t>9/16/2022</a:t>
+              <a:t>9/17/2022</a:t>
             </a:fld>
             <a:endParaRPr lang="en-US" altLang="en-US" sz="1800" dirty="0">
               <a:solidFill>
@@ -15595,7 +15595,7 @@
               <a:pPr>
                 <a:defRPr/>
               </a:pPr>
-              <a:t>9/16/2022</a:t>
+              <a:t>9/17/2022</a:t>
             </a:fld>
             <a:endParaRPr lang="en-US" altLang="en-US" sz="1800" dirty="0">
               <a:solidFill>
@@ -15754,7 +15754,7 @@
               <a:pPr>
                 <a:defRPr/>
               </a:pPr>
-              <a:t>9/16/2022</a:t>
+              <a:t>9/17/2022</a:t>
             </a:fld>
             <a:endParaRPr lang="en-US" altLang="en-US" sz="1800" dirty="0">
               <a:solidFill>
@@ -15953,7 +15953,7 @@
               <a:pPr>
                 <a:defRPr/>
               </a:pPr>
-              <a:t>9/16/2022</a:t>
+              <a:t>9/17/2022</a:t>
             </a:fld>
             <a:endParaRPr lang="en-US" altLang="en-US" sz="1800" dirty="0">
               <a:solidFill>
@@ -16038,7 +16038,7 @@
               <a:pPr>
                 <a:defRPr/>
               </a:pPr>
-              <a:t>9/16/2022</a:t>
+              <a:t>9/17/2022</a:t>
             </a:fld>
             <a:endParaRPr lang="en-US" altLang="en-US" sz="1800" dirty="0"/>
           </a:p>
@@ -16368,7 +16368,7 @@
               <a:pPr>
                 <a:defRPr/>
               </a:pPr>
-              <a:t>9/16/2022</a:t>
+              <a:t>9/17/2022</a:t>
             </a:fld>
             <a:endParaRPr lang="en-US" altLang="en-US" sz="1800" dirty="0">
               <a:solidFill>
@@ -16453,7 +16453,7 @@
               <a:pPr>
                 <a:defRPr/>
               </a:pPr>
-              <a:t>9/16/2022</a:t>
+              <a:t>9/17/2022</a:t>
             </a:fld>
             <a:endParaRPr lang="en-US" altLang="en-US" sz="1800" dirty="0">
               <a:solidFill>
@@ -16515,7 +16515,7 @@
               <a:pPr>
                 <a:defRPr/>
               </a:pPr>
-              <a:t>9/16/2022</a:t>
+              <a:t>9/17/2022</a:t>
             </a:fld>
             <a:endParaRPr lang="en-US" altLang="en-US" sz="1800" dirty="0">
               <a:solidFill>
@@ -16759,7 +16759,7 @@
               <a:pPr>
                 <a:defRPr/>
               </a:pPr>
-              <a:t>9/16/2022</a:t>
+              <a:t>9/17/2022</a:t>
             </a:fld>
             <a:endParaRPr lang="en-US" altLang="en-US" sz="1800" dirty="0">
               <a:solidFill>
@@ -16982,7 +16982,7 @@
               <a:pPr>
                 <a:defRPr/>
               </a:pPr>
-              <a:t>9/16/2022</a:t>
+              <a:t>9/17/2022</a:t>
             </a:fld>
             <a:endParaRPr lang="en-US" altLang="en-US" sz="1800" dirty="0">
               <a:solidFill>
@@ -17119,7 +17119,7 @@
               <a:pPr>
                 <a:defRPr/>
               </a:pPr>
-              <a:t>9/16/2022</a:t>
+              <a:t>9/17/2022</a:t>
             </a:fld>
             <a:endParaRPr lang="en-US" altLang="en-US" sz="1800" dirty="0">
               <a:solidFill>
@@ -17266,7 +17266,7 @@
               <a:pPr>
                 <a:defRPr/>
               </a:pPr>
-              <a:t>9/16/2022</a:t>
+              <a:t>9/17/2022</a:t>
             </a:fld>
             <a:endParaRPr lang="en-US" altLang="en-US" sz="1800" dirty="0">
               <a:solidFill>
@@ -17425,7 +17425,7 @@
               <a:pPr>
                 <a:defRPr/>
               </a:pPr>
-              <a:t>9/16/2022</a:t>
+              <a:t>9/17/2022</a:t>
             </a:fld>
             <a:endParaRPr lang="en-US" altLang="en-US" sz="1800" dirty="0"/>
           </a:p>
@@ -17558,7 +17558,7 @@
               <a:pPr>
                 <a:defRPr/>
               </a:pPr>
-              <a:t>9/16/2022</a:t>
+              <a:t>9/17/2022</a:t>
             </a:fld>
             <a:endParaRPr lang="en-US" altLang="en-US" sz="1800" dirty="0"/>
           </a:p>
@@ -17713,7 +17713,7 @@
               <a:pPr>
                 <a:defRPr/>
               </a:pPr>
-              <a:t>9/16/2022</a:t>
+              <a:t>9/17/2022</a:t>
             </a:fld>
             <a:endParaRPr lang="en-US" altLang="en-US" sz="1800" dirty="0"/>
           </a:p>
@@ -17771,7 +17771,7 @@
               <a:pPr>
                 <a:defRPr/>
               </a:pPr>
-              <a:t>9/16/2022</a:t>
+              <a:t>9/17/2022</a:t>
             </a:fld>
             <a:endParaRPr lang="en-US" altLang="en-US" sz="1800" dirty="0"/>
           </a:p>
@@ -17966,7 +17966,7 @@
               <a:pPr>
                 <a:defRPr/>
               </a:pPr>
-              <a:t>9/16/2022</a:t>
+              <a:t>9/17/2022</a:t>
             </a:fld>
             <a:endParaRPr lang="en-US" altLang="en-US" sz="1800" dirty="0"/>
           </a:p>
@@ -18296,7 +18296,7 @@
               <a:pPr>
                 <a:defRPr/>
               </a:pPr>
-              <a:t>9/16/2022</a:t>
+              <a:t>9/17/2022</a:t>
             </a:fld>
             <a:endParaRPr lang="en-US" altLang="en-US" sz="1800" dirty="0"/>
           </a:p>
@@ -18377,7 +18377,7 @@
               <a:pPr>
                 <a:defRPr/>
               </a:pPr>
-              <a:t>9/16/2022</a:t>
+              <a:t>9/17/2022</a:t>
             </a:fld>
             <a:endParaRPr lang="en-US" altLang="en-US" sz="1800" dirty="0"/>
           </a:p>
@@ -18435,7 +18435,7 @@
               <a:pPr>
                 <a:defRPr/>
               </a:pPr>
-              <a:t>9/16/2022</a:t>
+              <a:t>9/17/2022</a:t>
             </a:fld>
             <a:endParaRPr lang="en-US" altLang="en-US" sz="1800" dirty="0"/>
           </a:p>
@@ -18675,7 +18675,7 @@
               <a:pPr>
                 <a:defRPr/>
               </a:pPr>
-              <a:t>9/16/2022</a:t>
+              <a:t>9/17/2022</a:t>
             </a:fld>
             <a:endParaRPr lang="en-US" altLang="en-US" sz="1800" dirty="0"/>
           </a:p>
@@ -18894,7 +18894,7 @@
               <a:pPr>
                 <a:defRPr/>
               </a:pPr>
-              <a:t>9/16/2022</a:t>
+              <a:t>9/17/2022</a:t>
             </a:fld>
             <a:endParaRPr lang="en-US" altLang="en-US" sz="1800" dirty="0"/>
           </a:p>
@@ -19027,7 +19027,7 @@
               <a:pPr>
                 <a:defRPr/>
               </a:pPr>
-              <a:t>9/16/2022</a:t>
+              <a:t>9/17/2022</a:t>
             </a:fld>
             <a:endParaRPr lang="en-US" altLang="en-US" sz="1800" dirty="0"/>
           </a:p>
@@ -19170,7 +19170,7 @@
               <a:pPr>
                 <a:defRPr/>
               </a:pPr>
-              <a:t>9/16/2022</a:t>
+              <a:t>9/17/2022</a:t>
             </a:fld>
             <a:endParaRPr lang="en-US" altLang="en-US" sz="1800" dirty="0"/>
           </a:p>
@@ -19325,7 +19325,7 @@
               <a:pPr>
                 <a:defRPr/>
               </a:pPr>
-              <a:t>9/16/2022</a:t>
+              <a:t>9/17/2022</a:t>
             </a:fld>
             <a:endParaRPr lang="en-US" altLang="en-US" sz="1800" dirty="0">
               <a:solidFill>
@@ -19462,7 +19462,7 @@
               <a:pPr>
                 <a:defRPr/>
               </a:pPr>
-              <a:t>9/16/2022</a:t>
+              <a:t>9/17/2022</a:t>
             </a:fld>
             <a:endParaRPr lang="en-US" altLang="en-US" sz="1800" dirty="0">
               <a:solidFill>
@@ -19706,7 +19706,7 @@
               <a:pPr>
                 <a:defRPr/>
               </a:pPr>
-              <a:t>9/16/2022</a:t>
+              <a:t>9/17/2022</a:t>
             </a:fld>
             <a:endParaRPr lang="en-US" altLang="en-US" sz="1800" dirty="0"/>
           </a:p>
@@ -19861,7 +19861,7 @@
               <a:pPr>
                 <a:defRPr/>
               </a:pPr>
-              <a:t>9/16/2022</a:t>
+              <a:t>9/17/2022</a:t>
             </a:fld>
             <a:endParaRPr lang="en-US" altLang="en-US" sz="1800" dirty="0">
               <a:solidFill>
@@ -20060,7 +20060,7 @@
               <a:pPr>
                 <a:defRPr/>
               </a:pPr>
-              <a:t>9/16/2022</a:t>
+              <a:t>9/17/2022</a:t>
             </a:fld>
             <a:endParaRPr lang="en-US" altLang="en-US" sz="1800" dirty="0">
               <a:solidFill>
@@ -20394,7 +20394,7 @@
               <a:pPr>
                 <a:defRPr/>
               </a:pPr>
-              <a:t>9/16/2022</a:t>
+              <a:t>9/17/2022</a:t>
             </a:fld>
             <a:endParaRPr lang="en-US" altLang="en-US" sz="1800" dirty="0">
               <a:solidFill>
@@ -20479,7 +20479,7 @@
               <a:pPr>
                 <a:defRPr/>
               </a:pPr>
-              <a:t>9/16/2022</a:t>
+              <a:t>9/17/2022</a:t>
             </a:fld>
             <a:endParaRPr lang="en-US" altLang="en-US" sz="1800" dirty="0">
               <a:solidFill>
@@ -20541,7 +20541,7 @@
               <a:pPr>
                 <a:defRPr/>
               </a:pPr>
-              <a:t>9/16/2022</a:t>
+              <a:t>9/17/2022</a:t>
             </a:fld>
             <a:endParaRPr lang="en-US" altLang="en-US" sz="1800" dirty="0">
               <a:solidFill>
@@ -20785,7 +20785,7 @@
               <a:pPr>
                 <a:defRPr/>
               </a:pPr>
-              <a:t>9/16/2022</a:t>
+              <a:t>9/17/2022</a:t>
             </a:fld>
             <a:endParaRPr lang="en-US" altLang="en-US" sz="1800" dirty="0">
               <a:solidFill>
@@ -21008,7 +21008,7 @@
               <a:pPr>
                 <a:defRPr/>
               </a:pPr>
-              <a:t>9/16/2022</a:t>
+              <a:t>9/17/2022</a:t>
             </a:fld>
             <a:endParaRPr lang="en-US" altLang="en-US" sz="1800" dirty="0">
               <a:solidFill>
@@ -21145,7 +21145,7 @@
               <a:pPr>
                 <a:defRPr/>
               </a:pPr>
-              <a:t>9/16/2022</a:t>
+              <a:t>9/17/2022</a:t>
             </a:fld>
             <a:endParaRPr lang="en-US" altLang="en-US" sz="1800" dirty="0">
               <a:solidFill>
@@ -21292,7 +21292,7 @@
               <a:pPr>
                 <a:defRPr/>
               </a:pPr>
-              <a:t>9/16/2022</a:t>
+              <a:t>9/17/2022</a:t>
             </a:fld>
             <a:endParaRPr lang="en-US" altLang="en-US" sz="1800" dirty="0">
               <a:solidFill>
@@ -21451,7 +21451,7 @@
               <a:pPr>
                 <a:defRPr/>
               </a:pPr>
-              <a:t>9/16/2022</a:t>
+              <a:t>9/17/2022</a:t>
             </a:fld>
             <a:endParaRPr lang="en-US" altLang="en-US" sz="1800" dirty="0">
               <a:solidFill>
@@ -21674,7 +21674,7 @@
               <a:pPr>
                 <a:defRPr/>
               </a:pPr>
-              <a:t>9/16/2022</a:t>
+              <a:t>9/17/2022</a:t>
             </a:fld>
             <a:endParaRPr lang="en-US" altLang="en-US" sz="1800" dirty="0"/>
           </a:p>
@@ -21807,7 +21807,7 @@
               <a:pPr>
                 <a:defRPr/>
               </a:pPr>
-              <a:t>9/16/2022</a:t>
+              <a:t>9/17/2022</a:t>
             </a:fld>
             <a:endParaRPr lang="en-US" altLang="en-US" sz="1800" dirty="0">
               <a:solidFill>
@@ -21966,7 +21966,7 @@
               <a:pPr>
                 <a:defRPr/>
               </a:pPr>
-              <a:t>9/16/2022</a:t>
+              <a:t>9/17/2022</a:t>
             </a:fld>
             <a:endParaRPr lang="en-US" altLang="en-US" sz="1800" dirty="0">
               <a:solidFill>
@@ -22165,7 +22165,7 @@
               <a:pPr>
                 <a:defRPr/>
               </a:pPr>
-              <a:t>9/16/2022</a:t>
+              <a:t>9/17/2022</a:t>
             </a:fld>
             <a:endParaRPr lang="en-US" altLang="en-US" sz="1800" dirty="0">
               <a:solidFill>
@@ -22499,7 +22499,7 @@
               <a:pPr>
                 <a:defRPr/>
               </a:pPr>
-              <a:t>9/16/2022</a:t>
+              <a:t>9/17/2022</a:t>
             </a:fld>
             <a:endParaRPr lang="en-US" altLang="en-US" sz="1800" dirty="0">
               <a:solidFill>
@@ -22584,7 +22584,7 @@
               <a:pPr>
                 <a:defRPr/>
               </a:pPr>
-              <a:t>9/16/2022</a:t>
+              <a:t>9/17/2022</a:t>
             </a:fld>
             <a:endParaRPr lang="en-US" altLang="en-US" sz="1800" dirty="0">
               <a:solidFill>
@@ -22646,7 +22646,7 @@
               <a:pPr>
                 <a:defRPr/>
               </a:pPr>
-              <a:t>9/16/2022</a:t>
+              <a:t>9/17/2022</a:t>
             </a:fld>
             <a:endParaRPr lang="en-US" altLang="en-US" sz="1800" dirty="0">
               <a:solidFill>
@@ -22890,7 +22890,7 @@
               <a:pPr>
                 <a:defRPr/>
               </a:pPr>
-              <a:t>9/16/2022</a:t>
+              <a:t>9/17/2022</a:t>
             </a:fld>
             <a:endParaRPr lang="en-US" altLang="en-US" sz="1800" dirty="0">
               <a:solidFill>
@@ -23113,7 +23113,7 @@
               <a:pPr>
                 <a:defRPr/>
               </a:pPr>
-              <a:t>9/16/2022</a:t>
+              <a:t>9/17/2022</a:t>
             </a:fld>
             <a:endParaRPr lang="en-US" altLang="en-US" sz="1800" dirty="0">
               <a:solidFill>
@@ -23250,7 +23250,7 @@
               <a:pPr>
                 <a:defRPr/>
               </a:pPr>
-              <a:t>9/16/2022</a:t>
+              <a:t>9/17/2022</a:t>
             </a:fld>
             <a:endParaRPr lang="en-US" altLang="en-US" sz="1800" dirty="0">
               <a:solidFill>
@@ -23397,7 +23397,7 @@
               <a:pPr>
                 <a:defRPr/>
               </a:pPr>
-              <a:t>9/16/2022</a:t>
+              <a:t>9/17/2022</a:t>
             </a:fld>
             <a:endParaRPr lang="en-US" altLang="en-US" sz="1800" dirty="0">
               <a:solidFill>
@@ -23613,7 +23613,7 @@
               <a:pPr>
                 <a:defRPr/>
               </a:pPr>
-              <a:t>9/16/2022</a:t>
+              <a:t>9/17/2022</a:t>
             </a:fld>
             <a:endParaRPr lang="en-US" altLang="en-US" dirty="0"/>
           </a:p>
@@ -24263,7 +24263,7 @@
               <a:pPr>
                 <a:defRPr/>
               </a:pPr>
-              <a:t>9/16/2022</a:t>
+              <a:t>9/17/2022</a:t>
             </a:fld>
             <a:endParaRPr lang="en-US" altLang="en-US" dirty="0"/>
           </a:p>
@@ -24912,7 +24912,7 @@
               <a:pPr>
                 <a:defRPr/>
               </a:pPr>
-              <a:t>9/16/2022</a:t>
+              <a:t>9/17/2022</a:t>
             </a:fld>
             <a:endParaRPr lang="en-US" altLang="en-US" dirty="0"/>
           </a:p>
@@ -25547,7 +25547,7 @@
               <a:pPr>
                 <a:defRPr/>
               </a:pPr>
-              <a:t>9/16/2022</a:t>
+              <a:t>9/17/2022</a:t>
             </a:fld>
             <a:endParaRPr lang="en-US" altLang="en-US" dirty="0"/>
           </a:p>
@@ -26182,7 +26182,7 @@
               <a:pPr>
                 <a:defRPr/>
               </a:pPr>
-              <a:t>9/16/2022</a:t>
+              <a:t>9/17/2022</a:t>
             </a:fld>
             <a:endParaRPr lang="en-US" altLang="en-US" dirty="0"/>
           </a:p>
@@ -26817,7 +26817,7 @@
               <a:pPr>
                 <a:defRPr/>
               </a:pPr>
-              <a:t>9/16/2022</a:t>
+              <a:t>9/17/2022</a:t>
             </a:fld>
             <a:endParaRPr lang="en-US" altLang="en-US" dirty="0"/>
           </a:p>
@@ -27454,7 +27454,7 @@
               <a:pPr>
                 <a:defRPr/>
               </a:pPr>
-              <a:t>9/16/2022</a:t>
+              <a:t>9/17/2022</a:t>
             </a:fld>
             <a:endParaRPr lang="en-US" altLang="en-US" dirty="0"/>
           </a:p>
@@ -28102,7 +28102,7 @@
               <a:pPr>
                 <a:defRPr/>
               </a:pPr>
-              <a:t>9/16/2022</a:t>
+              <a:t>9/17/2022</a:t>
             </a:fld>
             <a:endParaRPr lang="en-US" altLang="en-US" dirty="0"/>
           </a:p>
@@ -28737,7 +28737,7 @@
               <a:pPr>
                 <a:defRPr/>
               </a:pPr>
-              <a:t>9/16/2022</a:t>
+              <a:t>9/17/2022</a:t>
             </a:fld>
             <a:endParaRPr lang="en-US" altLang="en-US" dirty="0"/>
           </a:p>
@@ -29374,7 +29374,7 @@
               <a:pPr>
                 <a:defRPr/>
               </a:pPr>
-              <a:t>9/16/2022</a:t>
+              <a:t>9/17/2022</a:t>
             </a:fld>
             <a:endParaRPr lang="en-US" altLang="en-US" dirty="0"/>
           </a:p>
@@ -30022,7 +30022,7 @@
               <a:pPr>
                 <a:defRPr/>
               </a:pPr>
-              <a:t>9/16/2022</a:t>
+              <a:t>9/17/2022</a:t>
             </a:fld>
             <a:endParaRPr lang="en-US" altLang="en-US" dirty="0"/>
           </a:p>
@@ -30657,7 +30657,7 @@
               <a:pPr>
                 <a:defRPr/>
               </a:pPr>
-              <a:t>9/16/2022</a:t>
+              <a:t>9/17/2022</a:t>
             </a:fld>
             <a:endParaRPr lang="en-US" altLang="en-US" dirty="0"/>
           </a:p>
@@ -31492,7 +31492,7 @@
               <a:buNone/>
             </a:pPr>
             <a:r>
-              <a:rPr lang="en-IN" sz="1800" b="1" dirty="0" err="1">
+              <a:rPr lang="en-IN" sz="1800" b="1">
                 <a:solidFill>
                   <a:schemeClr val="dk1"/>
                 </a:solidFill>
@@ -31501,7 +31501,7 @@
                 <a:cs typeface="Arial"/>
                 <a:sym typeface="Arial"/>
               </a:rPr>
-              <a:t>DharaniDharan</a:t>
+              <a:t>Dharanidharan</a:t>
             </a:r>
             <a:r>
               <a:rPr lang="en-IN" sz="1800" b="1" dirty="0">
@@ -31709,7 +31709,7 @@
               <a:pPr>
                 <a:defRPr/>
               </a:pPr>
-              <a:t>9/16/2022</a:t>
+              <a:t>9/17/2022</a:t>
             </a:fld>
             <a:endParaRPr lang="en-US" altLang="en-US" sz="1800" dirty="0"/>
           </a:p>
@@ -32511,7 +32511,7 @@
               <a:pPr>
                 <a:defRPr/>
               </a:pPr>
-              <a:t>9/16/2022</a:t>
+              <a:t>9/17/2022</a:t>
             </a:fld>
             <a:endParaRPr lang="en-US" altLang="en-US" sz="1800" dirty="0"/>
           </a:p>
@@ -32727,7 +32727,7 @@
               <a:pPr>
                 <a:defRPr/>
               </a:pPr>
-              <a:t>9/16/2022</a:t>
+              <a:t>9/17/2022</a:t>
             </a:fld>
             <a:endParaRPr lang="en-US" altLang="en-US" sz="1800" dirty="0"/>
           </a:p>
@@ -33196,7 +33196,7 @@
               <a:pPr>
                 <a:defRPr/>
               </a:pPr>
-              <a:t>9/16/2022</a:t>
+              <a:t>9/17/2022</a:t>
             </a:fld>
             <a:endParaRPr lang="en-US" altLang="en-US" sz="1800" dirty="0"/>
           </a:p>
@@ -34210,7 +34210,7 @@
               <a:pPr>
                 <a:defRPr/>
               </a:pPr>
-              <a:t>9/16/2022</a:t>
+              <a:t>9/17/2022</a:t>
             </a:fld>
             <a:endParaRPr lang="en-US" altLang="en-US" sz="1800" dirty="0"/>
           </a:p>
@@ -35277,7 +35277,7 @@
               <a:pPr>
                 <a:defRPr/>
               </a:pPr>
-              <a:t>9/16/2022</a:t>
+              <a:t>9/17/2022</a:t>
             </a:fld>
             <a:endParaRPr lang="en-US" altLang="en-US" sz="1800" dirty="0"/>
           </a:p>
@@ -35490,7 +35490,7 @@
               <a:pPr>
                 <a:defRPr/>
               </a:pPr>
-              <a:t>9/16/2022</a:t>
+              <a:t>9/17/2022</a:t>
             </a:fld>
             <a:endParaRPr lang="en-US" altLang="en-US" sz="1800" dirty="0"/>
           </a:p>
@@ -35774,7 +35774,7 @@
               <a:pPr>
                 <a:defRPr/>
               </a:pPr>
-              <a:t>9/16/2022</a:t>
+              <a:t>9/17/2022</a:t>
             </a:fld>
             <a:endParaRPr lang="en-US" altLang="en-US" sz="1800" dirty="0"/>
           </a:p>
@@ -36024,7 +36024,7 @@
               <a:pPr>
                 <a:defRPr/>
               </a:pPr>
-              <a:t>9/16/2022</a:t>
+              <a:t>9/17/2022</a:t>
             </a:fld>
             <a:endParaRPr lang="en-US" altLang="en-US" sz="1800" dirty="0"/>
           </a:p>
